--- a/Rust.pptx
+++ b/Rust.pptx
@@ -115,6 +115,22 @@
       </a:defRPr>
     </a:lvl9pPr>
   </p:defaultTextStyle>
+  <p:extLst>
+    <p:ext uri="{EFAFB233-063F-42B5-8137-9DF3F51BA10A}">
+      <p15:sldGuideLst xmlns:p15="http://schemas.microsoft.com/office/powerpoint/2012/main">
+        <p15:guide id="1" orient="horz" pos="2160">
+          <p15:clr>
+            <a:srgbClr val="A4A3A4"/>
+          </p15:clr>
+        </p15:guide>
+        <p15:guide id="2" pos="2880">
+          <p15:clr>
+            <a:srgbClr val="A4A3A4"/>
+          </p15:clr>
+        </p15:guide>
+      </p15:sldGuideLst>
+    </p:ext>
+  </p:extLst>
 </p:presentation>
 </file>
 
@@ -200,7 +216,7 @@
           <a:p>
             <a:fld id="{7222D3FD-9516-4E5A-9CF8-61A9464165C0}" type="datetimeFigureOut">
               <a:rPr lang="de-CH" smtClean="0"/>
-              <a:t>11.12.2015</a:t>
+              <a:t>12.12.2015</a:t>
             </a:fld>
             <a:endParaRPr lang="de-CH"/>
           </a:p>
@@ -737,7 +753,7 @@
           <a:p>
             <a:fld id="{A2C458F0-48A4-4668-A070-A3E91F630D01}" type="datetimeFigureOut">
               <a:rPr lang="de-CH" smtClean="0"/>
-              <a:t>11.12.2015</a:t>
+              <a:t>12.12.2015</a:t>
             </a:fld>
             <a:endParaRPr lang="de-CH"/>
           </a:p>
@@ -907,7 +923,7 @@
           <a:p>
             <a:fld id="{A2C458F0-48A4-4668-A070-A3E91F630D01}" type="datetimeFigureOut">
               <a:rPr lang="de-CH" smtClean="0"/>
-              <a:t>11.12.2015</a:t>
+              <a:t>12.12.2015</a:t>
             </a:fld>
             <a:endParaRPr lang="de-CH"/>
           </a:p>
@@ -1087,7 +1103,7 @@
           <a:p>
             <a:fld id="{A2C458F0-48A4-4668-A070-A3E91F630D01}" type="datetimeFigureOut">
               <a:rPr lang="de-CH" smtClean="0"/>
-              <a:t>11.12.2015</a:t>
+              <a:t>12.12.2015</a:t>
             </a:fld>
             <a:endParaRPr lang="de-CH"/>
           </a:p>
@@ -1257,7 +1273,7 @@
           <a:p>
             <a:fld id="{A2C458F0-48A4-4668-A070-A3E91F630D01}" type="datetimeFigureOut">
               <a:rPr lang="de-CH" smtClean="0"/>
-              <a:t>11.12.2015</a:t>
+              <a:t>12.12.2015</a:t>
             </a:fld>
             <a:endParaRPr lang="de-CH"/>
           </a:p>
@@ -1503,7 +1519,7 @@
           <a:p>
             <a:fld id="{A2C458F0-48A4-4668-A070-A3E91F630D01}" type="datetimeFigureOut">
               <a:rPr lang="de-CH" smtClean="0"/>
-              <a:t>11.12.2015</a:t>
+              <a:t>12.12.2015</a:t>
             </a:fld>
             <a:endParaRPr lang="de-CH"/>
           </a:p>
@@ -1791,7 +1807,7 @@
           <a:p>
             <a:fld id="{A2C458F0-48A4-4668-A070-A3E91F630D01}" type="datetimeFigureOut">
               <a:rPr lang="de-CH" smtClean="0"/>
-              <a:t>11.12.2015</a:t>
+              <a:t>12.12.2015</a:t>
             </a:fld>
             <a:endParaRPr lang="de-CH"/>
           </a:p>
@@ -2213,7 +2229,7 @@
           <a:p>
             <a:fld id="{A2C458F0-48A4-4668-A070-A3E91F630D01}" type="datetimeFigureOut">
               <a:rPr lang="de-CH" smtClean="0"/>
-              <a:t>11.12.2015</a:t>
+              <a:t>12.12.2015</a:t>
             </a:fld>
             <a:endParaRPr lang="de-CH"/>
           </a:p>
@@ -2331,7 +2347,7 @@
           <a:p>
             <a:fld id="{A2C458F0-48A4-4668-A070-A3E91F630D01}" type="datetimeFigureOut">
               <a:rPr lang="de-CH" smtClean="0"/>
-              <a:t>11.12.2015</a:t>
+              <a:t>12.12.2015</a:t>
             </a:fld>
             <a:endParaRPr lang="de-CH"/>
           </a:p>
@@ -2426,7 +2442,7 @@
           <a:p>
             <a:fld id="{A2C458F0-48A4-4668-A070-A3E91F630D01}" type="datetimeFigureOut">
               <a:rPr lang="de-CH" smtClean="0"/>
-              <a:t>11.12.2015</a:t>
+              <a:t>12.12.2015</a:t>
             </a:fld>
             <a:endParaRPr lang="de-CH"/>
           </a:p>
@@ -2703,7 +2719,7 @@
           <a:p>
             <a:fld id="{A2C458F0-48A4-4668-A070-A3E91F630D01}" type="datetimeFigureOut">
               <a:rPr lang="de-CH" smtClean="0"/>
-              <a:t>11.12.2015</a:t>
+              <a:t>12.12.2015</a:t>
             </a:fld>
             <a:endParaRPr lang="de-CH"/>
           </a:p>
@@ -2956,7 +2972,7 @@
           <a:p>
             <a:fld id="{A2C458F0-48A4-4668-A070-A3E91F630D01}" type="datetimeFigureOut">
               <a:rPr lang="de-CH" smtClean="0"/>
-              <a:t>11.12.2015</a:t>
+              <a:t>12.12.2015</a:t>
             </a:fld>
             <a:endParaRPr lang="de-CH"/>
           </a:p>
@@ -3169,7 +3185,7 @@
           <a:p>
             <a:fld id="{A2C458F0-48A4-4668-A070-A3E91F630D01}" type="datetimeFigureOut">
               <a:rPr lang="de-CH" smtClean="0"/>
-              <a:t>11.12.2015</a:t>
+              <a:t>12.12.2015</a:t>
             </a:fld>
             <a:endParaRPr lang="de-CH"/>
           </a:p>

--- a/Rust.pptx
+++ b/Rust.pptx
@@ -4227,88 +4227,66 @@
           </a:p>
         </p:txBody>
       </p:sp>
-      <p:sp>
-        <p:nvSpPr>
-          <p:cNvPr id="3" name="Inhaltsplatzhalter 2"/>
-          <p:cNvSpPr>
-            <a:spLocks noGrp="1"/>
-          </p:cNvSpPr>
-          <p:nvPr>
-            <p:ph idx="1"/>
-          </p:nvPr>
-        </p:nvSpPr>
-        <p:spPr/>
-        <p:txBody>
-          <a:bodyPr>
-            <a:normAutofit fontScale="92500"/>
-          </a:bodyPr>
-          <a:lstStyle/>
-          <a:p>
-            <a:r>
-              <a:rPr lang="en-US" dirty="0" smtClean="0"/>
-              <a:t>	let range2 = 'd';</a:t>
-            </a:r>
-          </a:p>
-          <a:p>
-            <a:endParaRPr lang="en-US" dirty="0" smtClean="0"/>
-          </a:p>
-          <a:p>
-            <a:r>
-              <a:rPr lang="en-US" dirty="0" smtClean="0"/>
-              <a:t>	match range2 {</a:t>
-            </a:r>
-          </a:p>
-          <a:p>
-            <a:r>
-              <a:rPr lang="en-US" dirty="0" smtClean="0"/>
-              <a:t>			'a' ... 'j' =&gt; </a:t>
-            </a:r>
-            <a:r>
-              <a:rPr lang="en-US" dirty="0" err="1" smtClean="0"/>
-              <a:t>println</a:t>
-            </a:r>
-            <a:r>
-              <a:rPr lang="en-US" dirty="0" smtClean="0"/>
-              <a:t>!("early letter"),</a:t>
-            </a:r>
-          </a:p>
-          <a:p>
-            <a:r>
-              <a:rPr lang="en-US" dirty="0" smtClean="0"/>
-              <a:t>			'k' ... 'z' =&gt; </a:t>
-            </a:r>
-            <a:r>
-              <a:rPr lang="en-US" dirty="0" err="1" smtClean="0"/>
-              <a:t>println</a:t>
-            </a:r>
-            <a:r>
-              <a:rPr lang="en-US" dirty="0" smtClean="0"/>
-              <a:t>!("late letter"),</a:t>
-            </a:r>
-          </a:p>
-          <a:p>
-            <a:r>
-              <a:rPr lang="en-US" dirty="0" smtClean="0"/>
-              <a:t>			_ =&gt; </a:t>
-            </a:r>
-            <a:r>
-              <a:rPr lang="en-US" dirty="0" err="1" smtClean="0"/>
-              <a:t>println</a:t>
-            </a:r>
-            <a:r>
-              <a:rPr lang="en-US" dirty="0" smtClean="0"/>
-              <a:t>!("something else"),</a:t>
-            </a:r>
-          </a:p>
-          <a:p>
-            <a:r>
-              <a:rPr lang="en-US" dirty="0" smtClean="0"/>
-              <a:t>		}</a:t>
-            </a:r>
-            <a:endParaRPr lang="de-CH" dirty="0"/>
-          </a:p>
-        </p:txBody>
-      </p:sp>
+      <p:pic>
+        <p:nvPicPr>
+          <p:cNvPr id="5" name="Grafik 4" descr="Bildschirmausschnitt"/>
+          <p:cNvPicPr>
+            <a:picLocks noChangeAspect="1"/>
+          </p:cNvPicPr>
+          <p:nvPr/>
+        </p:nvPicPr>
+        <p:blipFill>
+          <a:blip r:embed="rId2">
+            <a:extLst>
+              <a:ext uri="{28A0092B-C50C-407E-A947-70E740481C1C}">
+                <a14:useLocalDpi xmlns:a14="http://schemas.microsoft.com/office/drawing/2010/main" val="0"/>
+              </a:ext>
+            </a:extLst>
+          </a:blip>
+          <a:stretch>
+            <a:fillRect/>
+          </a:stretch>
+        </p:blipFill>
+        <p:spPr>
+          <a:xfrm>
+            <a:off x="547468" y="1579698"/>
+            <a:ext cx="8049063" cy="2640658"/>
+          </a:xfrm>
+          <a:prstGeom prst="rect">
+            <a:avLst/>
+          </a:prstGeom>
+        </p:spPr>
+      </p:pic>
+      <p:pic>
+        <p:nvPicPr>
+          <p:cNvPr id="8" name="Grafik 7"/>
+          <p:cNvPicPr>
+            <a:picLocks noChangeAspect="1"/>
+          </p:cNvPicPr>
+          <p:nvPr/>
+        </p:nvPicPr>
+        <p:blipFill>
+          <a:blip r:embed="rId3">
+            <a:extLst>
+              <a:ext uri="{28A0092B-C50C-407E-A947-70E740481C1C}">
+                <a14:useLocalDpi xmlns:a14="http://schemas.microsoft.com/office/drawing/2010/main" val="0"/>
+              </a:ext>
+            </a:extLst>
+          </a:blip>
+          <a:stretch>
+            <a:fillRect/>
+          </a:stretch>
+        </p:blipFill>
+        <p:spPr>
+          <a:xfrm>
+            <a:off x="3275855" y="4581128"/>
+            <a:ext cx="2592288" cy="1859685"/>
+          </a:xfrm>
+          <a:prstGeom prst="rect">
+            <a:avLst/>
+          </a:prstGeom>
+        </p:spPr>
+      </p:pic>
     </p:spTree>
     <p:extLst>
       <p:ext uri="{BB962C8B-B14F-4D97-AF65-F5344CB8AC3E}">

--- a/Rust.pptx
+++ b/Rust.pptx
@@ -216,7 +216,7 @@
           <a:p>
             <a:fld id="{7222D3FD-9516-4E5A-9CF8-61A9464165C0}" type="datetimeFigureOut">
               <a:rPr lang="de-CH" smtClean="0"/>
-              <a:t>12.12.2015</a:t>
+              <a:t>13.12.2015</a:t>
             </a:fld>
             <a:endParaRPr lang="de-CH"/>
           </a:p>
@@ -753,7 +753,7 @@
           <a:p>
             <a:fld id="{A2C458F0-48A4-4668-A070-A3E91F630D01}" type="datetimeFigureOut">
               <a:rPr lang="de-CH" smtClean="0"/>
-              <a:t>12.12.2015</a:t>
+              <a:t>13.12.2015</a:t>
             </a:fld>
             <a:endParaRPr lang="de-CH"/>
           </a:p>
@@ -923,7 +923,7 @@
           <a:p>
             <a:fld id="{A2C458F0-48A4-4668-A070-A3E91F630D01}" type="datetimeFigureOut">
               <a:rPr lang="de-CH" smtClean="0"/>
-              <a:t>12.12.2015</a:t>
+              <a:t>13.12.2015</a:t>
             </a:fld>
             <a:endParaRPr lang="de-CH"/>
           </a:p>
@@ -1103,7 +1103,7 @@
           <a:p>
             <a:fld id="{A2C458F0-48A4-4668-A070-A3E91F630D01}" type="datetimeFigureOut">
               <a:rPr lang="de-CH" smtClean="0"/>
-              <a:t>12.12.2015</a:t>
+              <a:t>13.12.2015</a:t>
             </a:fld>
             <a:endParaRPr lang="de-CH"/>
           </a:p>
@@ -1273,7 +1273,7 @@
           <a:p>
             <a:fld id="{A2C458F0-48A4-4668-A070-A3E91F630D01}" type="datetimeFigureOut">
               <a:rPr lang="de-CH" smtClean="0"/>
-              <a:t>12.12.2015</a:t>
+              <a:t>13.12.2015</a:t>
             </a:fld>
             <a:endParaRPr lang="de-CH"/>
           </a:p>
@@ -1519,7 +1519,7 @@
           <a:p>
             <a:fld id="{A2C458F0-48A4-4668-A070-A3E91F630D01}" type="datetimeFigureOut">
               <a:rPr lang="de-CH" smtClean="0"/>
-              <a:t>12.12.2015</a:t>
+              <a:t>13.12.2015</a:t>
             </a:fld>
             <a:endParaRPr lang="de-CH"/>
           </a:p>
@@ -1807,7 +1807,7 @@
           <a:p>
             <a:fld id="{A2C458F0-48A4-4668-A070-A3E91F630D01}" type="datetimeFigureOut">
               <a:rPr lang="de-CH" smtClean="0"/>
-              <a:t>12.12.2015</a:t>
+              <a:t>13.12.2015</a:t>
             </a:fld>
             <a:endParaRPr lang="de-CH"/>
           </a:p>
@@ -2229,7 +2229,7 @@
           <a:p>
             <a:fld id="{A2C458F0-48A4-4668-A070-A3E91F630D01}" type="datetimeFigureOut">
               <a:rPr lang="de-CH" smtClean="0"/>
-              <a:t>12.12.2015</a:t>
+              <a:t>13.12.2015</a:t>
             </a:fld>
             <a:endParaRPr lang="de-CH"/>
           </a:p>
@@ -2347,7 +2347,7 @@
           <a:p>
             <a:fld id="{A2C458F0-48A4-4668-A070-A3E91F630D01}" type="datetimeFigureOut">
               <a:rPr lang="de-CH" smtClean="0"/>
-              <a:t>12.12.2015</a:t>
+              <a:t>13.12.2015</a:t>
             </a:fld>
             <a:endParaRPr lang="de-CH"/>
           </a:p>
@@ -2442,7 +2442,7 @@
           <a:p>
             <a:fld id="{A2C458F0-48A4-4668-A070-A3E91F630D01}" type="datetimeFigureOut">
               <a:rPr lang="de-CH" smtClean="0"/>
-              <a:t>12.12.2015</a:t>
+              <a:t>13.12.2015</a:t>
             </a:fld>
             <a:endParaRPr lang="de-CH"/>
           </a:p>
@@ -2719,7 +2719,7 @@
           <a:p>
             <a:fld id="{A2C458F0-48A4-4668-A070-A3E91F630D01}" type="datetimeFigureOut">
               <a:rPr lang="de-CH" smtClean="0"/>
-              <a:t>12.12.2015</a:t>
+              <a:t>13.12.2015</a:t>
             </a:fld>
             <a:endParaRPr lang="de-CH"/>
           </a:p>
@@ -2972,7 +2972,7 @@
           <a:p>
             <a:fld id="{A2C458F0-48A4-4668-A070-A3E91F630D01}" type="datetimeFigureOut">
               <a:rPr lang="de-CH" smtClean="0"/>
-              <a:t>12.12.2015</a:t>
+              <a:t>13.12.2015</a:t>
             </a:fld>
             <a:endParaRPr lang="de-CH"/>
           </a:p>
@@ -3185,7 +3185,7 @@
           <a:p>
             <a:fld id="{A2C458F0-48A4-4668-A070-A3E91F630D01}" type="datetimeFigureOut">
               <a:rPr lang="de-CH" smtClean="0"/>
-              <a:t>12.12.2015</a:t>
+              <a:t>13.12.2015</a:t>
             </a:fld>
             <a:endParaRPr lang="de-CH"/>
           </a:p>
@@ -3721,37 +3721,49 @@
           </a:p>
         </p:txBody>
       </p:sp>
-      <p:sp>
-        <p:nvSpPr>
-          <p:cNvPr id="3" name="Inhaltsplatzhalter 2"/>
-          <p:cNvSpPr>
-            <a:spLocks noGrp="1"/>
-          </p:cNvSpPr>
+      <p:pic>
+        <p:nvPicPr>
+          <p:cNvPr id="1026" name="Picture 2" descr="http://happyjesusday.com/wp/wp-content/uploads/2013/12/programming.jpg"/>
+          <p:cNvPicPr>
+            <a:picLocks noGrp="1" noChangeAspect="1" noChangeArrowheads="1"/>
+          </p:cNvPicPr>
           <p:nvPr>
             <p:ph idx="1"/>
           </p:nvPr>
-        </p:nvSpPr>
-        <p:spPr/>
-        <p:txBody>
-          <a:bodyPr/>
-          <a:lstStyle/>
-          <a:p>
-            <a:r>
-              <a:rPr lang="de-CH" dirty="0" smtClean="0"/>
-              <a:t>(</a:t>
-            </a:r>
-            <a:r>
-              <a:rPr lang="de-CH" dirty="0" err="1" smtClean="0"/>
-              <a:t>channels</a:t>
-            </a:r>
-            <a:r>
-              <a:rPr lang="de-CH" dirty="0" smtClean="0"/>
-              <a:t>)</a:t>
-            </a:r>
-            <a:endParaRPr lang="de-CH" dirty="0"/>
-          </a:p>
-        </p:txBody>
-      </p:sp>
+        </p:nvPicPr>
+        <p:blipFill>
+          <a:blip r:embed="rId2" cstate="print">
+            <a:extLst>
+              <a:ext uri="{28A0092B-C50C-407E-A947-70E740481C1C}">
+                <a14:useLocalDpi xmlns:a14="http://schemas.microsoft.com/office/drawing/2010/main" val="0"/>
+              </a:ext>
+            </a:extLst>
+          </a:blip>
+          <a:srcRect/>
+          <a:stretch>
+            <a:fillRect/>
+          </a:stretch>
+        </p:blipFill>
+        <p:spPr bwMode="auto">
+          <a:xfrm>
+            <a:off x="1395484" y="1556792"/>
+            <a:ext cx="6353031" cy="4249105"/>
+          </a:xfrm>
+          <a:prstGeom prst="rect">
+            <a:avLst/>
+          </a:prstGeom>
+          <a:noFill/>
+          <a:extLst>
+            <a:ext uri="{909E8E84-426E-40DD-AFC4-6F175D3DCCD1}">
+              <a14:hiddenFill xmlns:a14="http://schemas.microsoft.com/office/drawing/2010/main">
+                <a:solidFill>
+                  <a:srgbClr val="FFFFFF"/>
+                </a:solidFill>
+              </a14:hiddenFill>
+            </a:ext>
+          </a:extLst>
+        </p:spPr>
+      </p:pic>
     </p:spTree>
     <p:extLst>
       <p:ext uri="{BB962C8B-B14F-4D97-AF65-F5344CB8AC3E}">
